--- a/TC/731 - Ánh Sáng Cho Đời.pptx
+++ b/TC/731 - Ánh Sáng Cho Đời.pptx
@@ -120,6 +120,22 @@
       </a:defRPr>
     </a:lvl9pPr>
   </p:defaultTextStyle>
+  <p:extLst>
+    <p:ext uri="{EFAFB233-063F-42B5-8137-9DF3F51BA10A}">
+      <p15:sldGuideLst xmlns:p15="http://schemas.microsoft.com/office/powerpoint/2012/main">
+        <p15:guide id="1" orient="horz" pos="2160">
+          <p15:clr>
+            <a:srgbClr val="A4A3A4"/>
+          </p15:clr>
+        </p15:guide>
+        <p15:guide id="2" pos="2880">
+          <p15:clr>
+            <a:srgbClr val="A4A3A4"/>
+          </p15:clr>
+        </p15:guide>
+      </p15:sldGuideLst>
+    </p:ext>
+  </p:extLst>
 </p:presentation>
 </file>
 
@@ -161,10 +177,9 @@
           <a:lstStyle/>
           <a:p>
             <a:r>
-              <a:rPr lang="en-US" smtClean="0"/>
+              <a:rPr lang="en-US"/>
               <a:t>Click to edit Master title style</a:t>
             </a:r>
-            <a:endParaRPr lang="en-US"/>
           </a:p>
         </p:txBody>
       </p:sp>
@@ -280,10 +295,9 @@
           </a:lstStyle>
           <a:p>
             <a:r>
-              <a:rPr lang="en-US" smtClean="0"/>
+              <a:rPr lang="en-US"/>
               <a:t>Click to edit Master subtitle style</a:t>
             </a:r>
-            <a:endParaRPr lang="en-US"/>
           </a:p>
         </p:txBody>
       </p:sp>
@@ -305,7 +319,7 @@
             <a:fld id="{E5AF64A8-A4BC-4374-8F5C-CEE726DC62C3}" type="datetimeFigureOut">
               <a:rPr lang="en-US" smtClean="0"/>
               <a:pPr/>
-              <a:t>19/09/2012</a:t>
+              <a:t>11/2/19</a:t>
             </a:fld>
             <a:endParaRPr lang="en-US"/>
           </a:p>
@@ -395,10 +409,9 @@
           <a:lstStyle/>
           <a:p>
             <a:r>
-              <a:rPr lang="en-US" smtClean="0"/>
+              <a:rPr lang="en-US"/>
               <a:t>Click to edit Master title style</a:t>
             </a:r>
-            <a:endParaRPr lang="en-US"/>
           </a:p>
         </p:txBody>
       </p:sp>
@@ -419,38 +432,37 @@
           <a:p>
             <a:pPr lvl="0"/>
             <a:r>
-              <a:rPr lang="en-US" smtClean="0"/>
+              <a:rPr lang="en-US"/>
               <a:t>Click to edit Master text styles</a:t>
             </a:r>
           </a:p>
           <a:p>
             <a:pPr lvl="1"/>
             <a:r>
-              <a:rPr lang="en-US" smtClean="0"/>
+              <a:rPr lang="en-US"/>
               <a:t>Second level</a:t>
             </a:r>
           </a:p>
           <a:p>
             <a:pPr lvl="2"/>
             <a:r>
-              <a:rPr lang="en-US" smtClean="0"/>
+              <a:rPr lang="en-US"/>
               <a:t>Third level</a:t>
             </a:r>
           </a:p>
           <a:p>
             <a:pPr lvl="3"/>
             <a:r>
-              <a:rPr lang="en-US" smtClean="0"/>
+              <a:rPr lang="en-US"/>
               <a:t>Fourth level</a:t>
             </a:r>
           </a:p>
           <a:p>
             <a:pPr lvl="4"/>
             <a:r>
-              <a:rPr lang="en-US" smtClean="0"/>
+              <a:rPr lang="en-US"/>
               <a:t>Fifth level</a:t>
             </a:r>
-            <a:endParaRPr lang="en-US"/>
           </a:p>
         </p:txBody>
       </p:sp>
@@ -472,7 +484,7 @@
             <a:fld id="{E5AF64A8-A4BC-4374-8F5C-CEE726DC62C3}" type="datetimeFigureOut">
               <a:rPr lang="en-US" smtClean="0"/>
               <a:pPr/>
-              <a:t>19/09/2012</a:t>
+              <a:t>11/2/19</a:t>
             </a:fld>
             <a:endParaRPr lang="en-US"/>
           </a:p>
@@ -567,10 +579,9 @@
           <a:lstStyle/>
           <a:p>
             <a:r>
-              <a:rPr lang="en-US" smtClean="0"/>
+              <a:rPr lang="en-US"/>
               <a:t>Click to edit Master title style</a:t>
             </a:r>
-            <a:endParaRPr lang="en-US"/>
           </a:p>
         </p:txBody>
       </p:sp>
@@ -596,38 +607,37 @@
           <a:p>
             <a:pPr lvl="0"/>
             <a:r>
-              <a:rPr lang="en-US" smtClean="0"/>
+              <a:rPr lang="en-US"/>
               <a:t>Click to edit Master text styles</a:t>
             </a:r>
           </a:p>
           <a:p>
             <a:pPr lvl="1"/>
             <a:r>
-              <a:rPr lang="en-US" smtClean="0"/>
+              <a:rPr lang="en-US"/>
               <a:t>Second level</a:t>
             </a:r>
           </a:p>
           <a:p>
             <a:pPr lvl="2"/>
             <a:r>
-              <a:rPr lang="en-US" smtClean="0"/>
+              <a:rPr lang="en-US"/>
               <a:t>Third level</a:t>
             </a:r>
           </a:p>
           <a:p>
             <a:pPr lvl="3"/>
             <a:r>
-              <a:rPr lang="en-US" smtClean="0"/>
+              <a:rPr lang="en-US"/>
               <a:t>Fourth level</a:t>
             </a:r>
           </a:p>
           <a:p>
             <a:pPr lvl="4"/>
             <a:r>
-              <a:rPr lang="en-US" smtClean="0"/>
+              <a:rPr lang="en-US"/>
               <a:t>Fifth level</a:t>
             </a:r>
-            <a:endParaRPr lang="en-US"/>
           </a:p>
         </p:txBody>
       </p:sp>
@@ -649,7 +659,7 @@
             <a:fld id="{E5AF64A8-A4BC-4374-8F5C-CEE726DC62C3}" type="datetimeFigureOut">
               <a:rPr lang="en-US" smtClean="0"/>
               <a:pPr/>
-              <a:t>19/09/2012</a:t>
+              <a:t>11/2/19</a:t>
             </a:fld>
             <a:endParaRPr lang="en-US"/>
           </a:p>
@@ -739,10 +749,9 @@
           <a:lstStyle/>
           <a:p>
             <a:r>
-              <a:rPr lang="en-US" smtClean="0"/>
+              <a:rPr lang="en-US"/>
               <a:t>Click to edit Master title style</a:t>
             </a:r>
-            <a:endParaRPr lang="en-US"/>
           </a:p>
         </p:txBody>
       </p:sp>
@@ -763,38 +772,37 @@
           <a:p>
             <a:pPr lvl="0"/>
             <a:r>
-              <a:rPr lang="en-US" smtClean="0"/>
+              <a:rPr lang="en-US"/>
               <a:t>Click to edit Master text styles</a:t>
             </a:r>
           </a:p>
           <a:p>
             <a:pPr lvl="1"/>
             <a:r>
-              <a:rPr lang="en-US" smtClean="0"/>
+              <a:rPr lang="en-US"/>
               <a:t>Second level</a:t>
             </a:r>
           </a:p>
           <a:p>
             <a:pPr lvl="2"/>
             <a:r>
-              <a:rPr lang="en-US" smtClean="0"/>
+              <a:rPr lang="en-US"/>
               <a:t>Third level</a:t>
             </a:r>
           </a:p>
           <a:p>
             <a:pPr lvl="3"/>
             <a:r>
-              <a:rPr lang="en-US" smtClean="0"/>
+              <a:rPr lang="en-US"/>
               <a:t>Fourth level</a:t>
             </a:r>
           </a:p>
           <a:p>
             <a:pPr lvl="4"/>
             <a:r>
-              <a:rPr lang="en-US" smtClean="0"/>
+              <a:rPr lang="en-US"/>
               <a:t>Fifth level</a:t>
             </a:r>
-            <a:endParaRPr lang="en-US"/>
           </a:p>
         </p:txBody>
       </p:sp>
@@ -816,7 +824,7 @@
             <a:fld id="{E5AF64A8-A4BC-4374-8F5C-CEE726DC62C3}" type="datetimeFigureOut">
               <a:rPr lang="en-US" smtClean="0"/>
               <a:pPr/>
-              <a:t>19/09/2012</a:t>
+              <a:t>11/2/19</a:t>
             </a:fld>
             <a:endParaRPr lang="en-US"/>
           </a:p>
@@ -915,10 +923,9 @@
           </a:lstStyle>
           <a:p>
             <a:r>
-              <a:rPr lang="en-US" smtClean="0"/>
+              <a:rPr lang="en-US"/>
               <a:t>Click to edit Master title style</a:t>
             </a:r>
-            <a:endParaRPr lang="en-US"/>
           </a:p>
         </p:txBody>
       </p:sp>
@@ -1035,7 +1042,7 @@
           <a:p>
             <a:pPr lvl="0"/>
             <a:r>
-              <a:rPr lang="en-US" smtClean="0"/>
+              <a:rPr lang="en-US"/>
               <a:t>Click to edit Master text styles</a:t>
             </a:r>
           </a:p>
@@ -1059,7 +1066,7 @@
             <a:fld id="{E5AF64A8-A4BC-4374-8F5C-CEE726DC62C3}" type="datetimeFigureOut">
               <a:rPr lang="en-US" smtClean="0"/>
               <a:pPr/>
-              <a:t>19/09/2012</a:t>
+              <a:t>11/2/19</a:t>
             </a:fld>
             <a:endParaRPr lang="en-US"/>
           </a:p>
@@ -1149,10 +1156,9 @@
           <a:lstStyle/>
           <a:p>
             <a:r>
-              <a:rPr lang="en-US" smtClean="0"/>
+              <a:rPr lang="en-US"/>
               <a:t>Click to edit Master title style</a:t>
             </a:r>
-            <a:endParaRPr lang="en-US"/>
           </a:p>
         </p:txBody>
       </p:sp>
@@ -1206,38 +1212,37 @@
           <a:p>
             <a:pPr lvl="0"/>
             <a:r>
-              <a:rPr lang="en-US" smtClean="0"/>
+              <a:rPr lang="en-US"/>
               <a:t>Click to edit Master text styles</a:t>
             </a:r>
           </a:p>
           <a:p>
             <a:pPr lvl="1"/>
             <a:r>
-              <a:rPr lang="en-US" smtClean="0"/>
+              <a:rPr lang="en-US"/>
               <a:t>Second level</a:t>
             </a:r>
           </a:p>
           <a:p>
             <a:pPr lvl="2"/>
             <a:r>
-              <a:rPr lang="en-US" smtClean="0"/>
+              <a:rPr lang="en-US"/>
               <a:t>Third level</a:t>
             </a:r>
           </a:p>
           <a:p>
             <a:pPr lvl="3"/>
             <a:r>
-              <a:rPr lang="en-US" smtClean="0"/>
+              <a:rPr lang="en-US"/>
               <a:t>Fourth level</a:t>
             </a:r>
           </a:p>
           <a:p>
             <a:pPr lvl="4"/>
             <a:r>
-              <a:rPr lang="en-US" smtClean="0"/>
+              <a:rPr lang="en-US"/>
               <a:t>Fifth level</a:t>
             </a:r>
-            <a:endParaRPr lang="en-US"/>
           </a:p>
         </p:txBody>
       </p:sp>
@@ -1291,38 +1296,37 @@
           <a:p>
             <a:pPr lvl="0"/>
             <a:r>
-              <a:rPr lang="en-US" smtClean="0"/>
+              <a:rPr lang="en-US"/>
               <a:t>Click to edit Master text styles</a:t>
             </a:r>
           </a:p>
           <a:p>
             <a:pPr lvl="1"/>
             <a:r>
-              <a:rPr lang="en-US" smtClean="0"/>
+              <a:rPr lang="en-US"/>
               <a:t>Second level</a:t>
             </a:r>
           </a:p>
           <a:p>
             <a:pPr lvl="2"/>
             <a:r>
-              <a:rPr lang="en-US" smtClean="0"/>
+              <a:rPr lang="en-US"/>
               <a:t>Third level</a:t>
             </a:r>
           </a:p>
           <a:p>
             <a:pPr lvl="3"/>
             <a:r>
-              <a:rPr lang="en-US" smtClean="0"/>
+              <a:rPr lang="en-US"/>
               <a:t>Fourth level</a:t>
             </a:r>
           </a:p>
           <a:p>
             <a:pPr lvl="4"/>
             <a:r>
-              <a:rPr lang="en-US" smtClean="0"/>
+              <a:rPr lang="en-US"/>
               <a:t>Fifth level</a:t>
             </a:r>
-            <a:endParaRPr lang="en-US"/>
           </a:p>
         </p:txBody>
       </p:sp>
@@ -1344,7 +1348,7 @@
             <a:fld id="{E5AF64A8-A4BC-4374-8F5C-CEE726DC62C3}" type="datetimeFigureOut">
               <a:rPr lang="en-US" smtClean="0"/>
               <a:pPr/>
-              <a:t>19/09/2012</a:t>
+              <a:t>11/2/19</a:t>
             </a:fld>
             <a:endParaRPr lang="en-US"/>
           </a:p>
@@ -1438,10 +1442,9 @@
           </a:lstStyle>
           <a:p>
             <a:r>
-              <a:rPr lang="en-US" smtClean="0"/>
+              <a:rPr lang="en-US"/>
               <a:t>Click to edit Master title style</a:t>
             </a:r>
-            <a:endParaRPr lang="en-US"/>
           </a:p>
         </p:txBody>
       </p:sp>
@@ -1504,7 +1507,7 @@
           <a:p>
             <a:pPr lvl="0"/>
             <a:r>
-              <a:rPr lang="en-US" smtClean="0"/>
+              <a:rPr lang="en-US"/>
               <a:t>Click to edit Master text styles</a:t>
             </a:r>
           </a:p>
@@ -1560,38 +1563,37 @@
           <a:p>
             <a:pPr lvl="0"/>
             <a:r>
-              <a:rPr lang="en-US" smtClean="0"/>
+              <a:rPr lang="en-US"/>
               <a:t>Click to edit Master text styles</a:t>
             </a:r>
           </a:p>
           <a:p>
             <a:pPr lvl="1"/>
             <a:r>
-              <a:rPr lang="en-US" smtClean="0"/>
+              <a:rPr lang="en-US"/>
               <a:t>Second level</a:t>
             </a:r>
           </a:p>
           <a:p>
             <a:pPr lvl="2"/>
             <a:r>
-              <a:rPr lang="en-US" smtClean="0"/>
+              <a:rPr lang="en-US"/>
               <a:t>Third level</a:t>
             </a:r>
           </a:p>
           <a:p>
             <a:pPr lvl="3"/>
             <a:r>
-              <a:rPr lang="en-US" smtClean="0"/>
+              <a:rPr lang="en-US"/>
               <a:t>Fourth level</a:t>
             </a:r>
           </a:p>
           <a:p>
             <a:pPr lvl="4"/>
             <a:r>
-              <a:rPr lang="en-US" smtClean="0"/>
+              <a:rPr lang="en-US"/>
               <a:t>Fifth level</a:t>
             </a:r>
-            <a:endParaRPr lang="en-US"/>
           </a:p>
         </p:txBody>
       </p:sp>
@@ -1654,7 +1656,7 @@
           <a:p>
             <a:pPr lvl="0"/>
             <a:r>
-              <a:rPr lang="en-US" smtClean="0"/>
+              <a:rPr lang="en-US"/>
               <a:t>Click to edit Master text styles</a:t>
             </a:r>
           </a:p>
@@ -1710,38 +1712,37 @@
           <a:p>
             <a:pPr lvl="0"/>
             <a:r>
-              <a:rPr lang="en-US" smtClean="0"/>
+              <a:rPr lang="en-US"/>
               <a:t>Click to edit Master text styles</a:t>
             </a:r>
           </a:p>
           <a:p>
             <a:pPr lvl="1"/>
             <a:r>
-              <a:rPr lang="en-US" smtClean="0"/>
+              <a:rPr lang="en-US"/>
               <a:t>Second level</a:t>
             </a:r>
           </a:p>
           <a:p>
             <a:pPr lvl="2"/>
             <a:r>
-              <a:rPr lang="en-US" smtClean="0"/>
+              <a:rPr lang="en-US"/>
               <a:t>Third level</a:t>
             </a:r>
           </a:p>
           <a:p>
             <a:pPr lvl="3"/>
             <a:r>
-              <a:rPr lang="en-US" smtClean="0"/>
+              <a:rPr lang="en-US"/>
               <a:t>Fourth level</a:t>
             </a:r>
           </a:p>
           <a:p>
             <a:pPr lvl="4"/>
             <a:r>
-              <a:rPr lang="en-US" smtClean="0"/>
+              <a:rPr lang="en-US"/>
               <a:t>Fifth level</a:t>
             </a:r>
-            <a:endParaRPr lang="en-US"/>
           </a:p>
         </p:txBody>
       </p:sp>
@@ -1763,7 +1764,7 @@
             <a:fld id="{E5AF64A8-A4BC-4374-8F5C-CEE726DC62C3}" type="datetimeFigureOut">
               <a:rPr lang="en-US" smtClean="0"/>
               <a:pPr/>
-              <a:t>19/09/2012</a:t>
+              <a:t>11/2/19</a:t>
             </a:fld>
             <a:endParaRPr lang="en-US"/>
           </a:p>
@@ -1853,10 +1854,9 @@
           <a:lstStyle/>
           <a:p>
             <a:r>
-              <a:rPr lang="en-US" smtClean="0"/>
+              <a:rPr lang="en-US"/>
               <a:t>Click to edit Master title style</a:t>
             </a:r>
-            <a:endParaRPr lang="en-US"/>
           </a:p>
         </p:txBody>
       </p:sp>
@@ -1878,7 +1878,7 @@
             <a:fld id="{E5AF64A8-A4BC-4374-8F5C-CEE726DC62C3}" type="datetimeFigureOut">
               <a:rPr lang="en-US" smtClean="0"/>
               <a:pPr/>
-              <a:t>19/09/2012</a:t>
+              <a:t>11/2/19</a:t>
             </a:fld>
             <a:endParaRPr lang="en-US"/>
           </a:p>
@@ -1970,7 +1970,7 @@
             <a:fld id="{E5AF64A8-A4BC-4374-8F5C-CEE726DC62C3}" type="datetimeFigureOut">
               <a:rPr lang="en-US" smtClean="0"/>
               <a:pPr/>
-              <a:t>19/09/2012</a:t>
+              <a:t>11/2/19</a:t>
             </a:fld>
             <a:endParaRPr lang="en-US"/>
           </a:p>
@@ -2069,10 +2069,9 @@
           </a:lstStyle>
           <a:p>
             <a:r>
-              <a:rPr lang="en-US" smtClean="0"/>
+              <a:rPr lang="en-US"/>
               <a:t>Click to edit Master title style</a:t>
             </a:r>
-            <a:endParaRPr lang="en-US"/>
           </a:p>
         </p:txBody>
       </p:sp>
@@ -2126,38 +2125,37 @@
           <a:p>
             <a:pPr lvl="0"/>
             <a:r>
-              <a:rPr lang="en-US" smtClean="0"/>
+              <a:rPr lang="en-US"/>
               <a:t>Click to edit Master text styles</a:t>
             </a:r>
           </a:p>
           <a:p>
             <a:pPr lvl="1"/>
             <a:r>
-              <a:rPr lang="en-US" smtClean="0"/>
+              <a:rPr lang="en-US"/>
               <a:t>Second level</a:t>
             </a:r>
           </a:p>
           <a:p>
             <a:pPr lvl="2"/>
             <a:r>
-              <a:rPr lang="en-US" smtClean="0"/>
+              <a:rPr lang="en-US"/>
               <a:t>Third level</a:t>
             </a:r>
           </a:p>
           <a:p>
             <a:pPr lvl="3"/>
             <a:r>
-              <a:rPr lang="en-US" smtClean="0"/>
+              <a:rPr lang="en-US"/>
               <a:t>Fourth level</a:t>
             </a:r>
           </a:p>
           <a:p>
             <a:pPr lvl="4"/>
             <a:r>
-              <a:rPr lang="en-US" smtClean="0"/>
+              <a:rPr lang="en-US"/>
               <a:t>Fifth level</a:t>
             </a:r>
-            <a:endParaRPr lang="en-US"/>
           </a:p>
         </p:txBody>
       </p:sp>
@@ -2220,7 +2218,7 @@
           <a:p>
             <a:pPr lvl="0"/>
             <a:r>
-              <a:rPr lang="en-US" smtClean="0"/>
+              <a:rPr lang="en-US"/>
               <a:t>Click to edit Master text styles</a:t>
             </a:r>
           </a:p>
@@ -2244,7 +2242,7 @@
             <a:fld id="{E5AF64A8-A4BC-4374-8F5C-CEE726DC62C3}" type="datetimeFigureOut">
               <a:rPr lang="en-US" smtClean="0"/>
               <a:pPr/>
-              <a:t>19/09/2012</a:t>
+              <a:t>11/2/19</a:t>
             </a:fld>
             <a:endParaRPr lang="en-US"/>
           </a:p>
@@ -2343,10 +2341,9 @@
           </a:lstStyle>
           <a:p>
             <a:r>
-              <a:rPr lang="en-US" smtClean="0"/>
+              <a:rPr lang="en-US"/>
               <a:t>Click to edit Master title style</a:t>
             </a:r>
-            <a:endParaRPr lang="en-US"/>
           </a:p>
         </p:txBody>
       </p:sp>
@@ -2470,7 +2467,7 @@
           <a:p>
             <a:pPr lvl="0"/>
             <a:r>
-              <a:rPr lang="en-US" smtClean="0"/>
+              <a:rPr lang="en-US"/>
               <a:t>Click to edit Master text styles</a:t>
             </a:r>
           </a:p>
@@ -2494,7 +2491,7 @@
             <a:fld id="{E5AF64A8-A4BC-4374-8F5C-CEE726DC62C3}" type="datetimeFigureOut">
               <a:rPr lang="en-US" smtClean="0"/>
               <a:pPr/>
-              <a:t>19/09/2012</a:t>
+              <a:t>11/2/19</a:t>
             </a:fld>
             <a:endParaRPr lang="en-US"/>
           </a:p>
@@ -2599,10 +2596,9 @@
           <a:lstStyle/>
           <a:p>
             <a:r>
-              <a:rPr lang="en-US" smtClean="0"/>
+              <a:rPr lang="en-US"/>
               <a:t>Click to edit Master title style</a:t>
             </a:r>
-            <a:endParaRPr lang="en-US"/>
           </a:p>
         </p:txBody>
       </p:sp>
@@ -2633,38 +2629,37 @@
           <a:p>
             <a:pPr lvl="0"/>
             <a:r>
-              <a:rPr lang="en-US" smtClean="0"/>
+              <a:rPr lang="en-US"/>
               <a:t>Click to edit Master text styles</a:t>
             </a:r>
           </a:p>
           <a:p>
             <a:pPr lvl="1"/>
             <a:r>
-              <a:rPr lang="en-US" smtClean="0"/>
+              <a:rPr lang="en-US"/>
               <a:t>Second level</a:t>
             </a:r>
           </a:p>
           <a:p>
             <a:pPr lvl="2"/>
             <a:r>
-              <a:rPr lang="en-US" smtClean="0"/>
+              <a:rPr lang="en-US"/>
               <a:t>Third level</a:t>
             </a:r>
           </a:p>
           <a:p>
             <a:pPr lvl="3"/>
             <a:r>
-              <a:rPr lang="en-US" smtClean="0"/>
+              <a:rPr lang="en-US"/>
               <a:t>Fourth level</a:t>
             </a:r>
           </a:p>
           <a:p>
             <a:pPr lvl="4"/>
             <a:r>
-              <a:rPr lang="en-US" smtClean="0"/>
+              <a:rPr lang="en-US"/>
               <a:t>Fifth level</a:t>
             </a:r>
-            <a:endParaRPr lang="en-US"/>
           </a:p>
         </p:txBody>
       </p:sp>
@@ -2704,7 +2699,7 @@
             <a:fld id="{E5AF64A8-A4BC-4374-8F5C-CEE726DC62C3}" type="datetimeFigureOut">
               <a:rPr lang="en-US" smtClean="0"/>
               <a:pPr/>
-              <a:t>19/09/2012</a:t>
+              <a:t>11/2/19</a:t>
             </a:fld>
             <a:endParaRPr lang="en-US"/>
           </a:p>
@@ -3168,43 +3163,19 @@
           </a:lstStyle>
           <a:p>
             <a:r>
-              <a:rPr lang="en-US" err="1">
+              <a:rPr lang="en-US" dirty="0">
                 <a:latin typeface="VNI-Garam" pitchFamily="34" charset="0"/>
               </a:rPr>
-              <a:t>AÙNH</a:t>
-            </a:r>
-            <a:r>
-              <a:rPr lang="en-US">
+              <a:t>AÙNH SAÙNG</a:t>
+            </a:r>
+          </a:p>
+          <a:p>
+            <a:r>
+              <a:rPr lang="en-US" dirty="0">
                 <a:latin typeface="VNI-Garam" pitchFamily="34" charset="0"/>
               </a:rPr>
-              <a:t> </a:t>
-            </a:r>
-            <a:r>
-              <a:rPr lang="en-US" err="1">
-                <a:latin typeface="VNI-Garam" pitchFamily="34" charset="0"/>
-              </a:rPr>
-              <a:t>SAÙNG</a:t>
-            </a:r>
-            <a:endParaRPr lang="en-US">
-              <a:latin typeface="VNI-Garam" pitchFamily="34" charset="0"/>
-            </a:endParaRPr>
-          </a:p>
-          <a:p>
-            <a:r>
-              <a:rPr lang="en-US">
-                <a:latin typeface="VNI-Garam" pitchFamily="34" charset="0"/>
-              </a:rPr>
-              <a:t>CHO </a:t>
-            </a:r>
-            <a:r>
-              <a:rPr lang="en-US" err="1">
-                <a:latin typeface="VNI-Garam" pitchFamily="34" charset="0"/>
-              </a:rPr>
-              <a:t>ÑÔØI</a:t>
-            </a:r>
-            <a:endParaRPr lang="en-US">
-              <a:latin typeface="VNI-Garam" pitchFamily="34" charset="0"/>
-            </a:endParaRPr>
+              <a:t>CHO ÑÔØI</a:t>
+            </a:r>
           </a:p>
         </p:txBody>
       </p:sp>
@@ -3232,130 +3203,21 @@
           <a:p>
             <a:pPr algn="l"/>
             <a:r>
-              <a:rPr lang="en-US" sz="3500" b="1" err="1">
-                <a:solidFill>
-                  <a:schemeClr val="bg1"/>
-                </a:solidFill>
-                <a:effectLst>
-                  <a:glow rad="101600">
-                    <a:schemeClr val="tx1">
-                      <a:alpha val="60000"/>
-                    </a:schemeClr>
-                  </a:glow>
-                </a:effectLst>
-                <a:latin typeface="VNI-Eurasia" pitchFamily="2" charset="0"/>
-              </a:rPr>
-              <a:t>TOÂN</a:t>
-            </a:r>
-            <a:r>
-              <a:rPr lang="en-US" sz="3500" b="1">
-                <a:solidFill>
-                  <a:schemeClr val="bg1"/>
-                </a:solidFill>
-                <a:effectLst>
-                  <a:glow rad="101600">
-                    <a:schemeClr val="tx1">
-                      <a:alpha val="60000"/>
-                    </a:schemeClr>
-                  </a:glow>
-                </a:effectLst>
-                <a:latin typeface="VNI-Eurasia" pitchFamily="2" charset="0"/>
-              </a:rPr>
-              <a:t> </a:t>
-            </a:r>
-            <a:r>
-              <a:rPr lang="en-US" sz="3500" b="1" err="1">
-                <a:solidFill>
-                  <a:schemeClr val="bg1"/>
-                </a:solidFill>
-                <a:effectLst>
-                  <a:glow rad="101600">
-                    <a:schemeClr val="tx1">
-                      <a:alpha val="60000"/>
-                    </a:schemeClr>
-                  </a:glow>
-                </a:effectLst>
-                <a:latin typeface="VNI-Eurasia" pitchFamily="2" charset="0"/>
-              </a:rPr>
-              <a:t>VINH</a:t>
-            </a:r>
-            <a:r>
-              <a:rPr lang="en-US" sz="3500" b="1">
-                <a:solidFill>
-                  <a:schemeClr val="bg1"/>
-                </a:solidFill>
-                <a:effectLst>
-                  <a:glow rad="101600">
-                    <a:schemeClr val="tx1">
-                      <a:alpha val="60000"/>
-                    </a:schemeClr>
-                  </a:glow>
-                </a:effectLst>
-                <a:latin typeface="VNI-Eurasia" pitchFamily="2" charset="0"/>
-              </a:rPr>
-              <a:t> </a:t>
-            </a:r>
-            <a:r>
-              <a:rPr lang="en-US" sz="3500" b="1" err="1">
-                <a:solidFill>
-                  <a:schemeClr val="bg1"/>
-                </a:solidFill>
-                <a:effectLst>
-                  <a:glow rad="101600">
-                    <a:schemeClr val="tx1">
-                      <a:alpha val="60000"/>
-                    </a:schemeClr>
-                  </a:glow>
-                </a:effectLst>
-                <a:latin typeface="VNI-Eurasia" pitchFamily="2" charset="0"/>
-              </a:rPr>
-              <a:t>CHUÙA</a:t>
-            </a:r>
-            <a:r>
-              <a:rPr lang="en-US" sz="3500" b="1">
-                <a:solidFill>
-                  <a:schemeClr val="bg1"/>
-                </a:solidFill>
-                <a:effectLst>
-                  <a:glow rad="101600">
-                    <a:schemeClr val="tx1">
-                      <a:alpha val="60000"/>
-                    </a:schemeClr>
-                  </a:glow>
-                </a:effectLst>
-                <a:latin typeface="VNI-Eurasia" pitchFamily="2" charset="0"/>
-              </a:rPr>
-              <a:t> </a:t>
-            </a:r>
-            <a:r>
-              <a:rPr lang="en-US" sz="3500" b="1" smtClean="0">
-                <a:solidFill>
-                  <a:schemeClr val="bg1"/>
-                </a:solidFill>
-                <a:effectLst>
-                  <a:glow rad="101600">
-                    <a:schemeClr val="tx1">
-                      <a:alpha val="60000"/>
-                    </a:schemeClr>
-                  </a:glow>
-                </a:effectLst>
-                <a:latin typeface="VNI-Eurasia" pitchFamily="2" charset="0"/>
-              </a:rPr>
-              <a:t>– THAÙNH CA 731 </a:t>
-            </a:r>
-            <a:endParaRPr lang="en-US" sz="3500" b="1">
-              <a:solidFill>
-                <a:schemeClr val="bg1"/>
-              </a:solidFill>
-              <a:effectLst>
-                <a:glow rad="101600">
-                  <a:schemeClr val="tx1">
-                    <a:alpha val="60000"/>
-                  </a:schemeClr>
-                </a:glow>
-              </a:effectLst>
-              <a:latin typeface="VNI-Eurasia" pitchFamily="2" charset="0"/>
-            </a:endParaRPr>
+              <a:rPr lang="en-US" sz="3500" b="1" dirty="0">
+                <a:solidFill>
+                  <a:schemeClr val="bg1"/>
+                </a:solidFill>
+                <a:effectLst>
+                  <a:glow rad="101600">
+                    <a:schemeClr val="tx1">
+                      <a:alpha val="60000"/>
+                    </a:schemeClr>
+                  </a:glow>
+                </a:effectLst>
+                <a:latin typeface="VNI-Times Normal" pitchFamily="2" charset="0"/>
+              </a:rPr>
+              <a:t>TOÂN VINH CHUÙA – THAÙNH CA 731 </a:t>
+            </a:r>
           </a:p>
         </p:txBody>
       </p:sp>
@@ -3376,13 +3238,6 @@
       </p:transition>
     </mc:Fallback>
   </mc:AlternateContent>
-  <p:timing>
-    <p:tnLst>
-      <p:par>
-        <p:cTn id="1" dur="indefinite" restart="never" nodeType="tmRoot"/>
-      </p:par>
-    </p:tnLst>
-  </p:timing>
 </p:sld>
 </file>
 
@@ -3454,51 +3309,7 @@
                 <a:ea typeface="+mj-ea"/>
                 <a:cs typeface="+mj-cs"/>
               </a:rPr>
-              <a:t>2</a:t>
-            </a:r>
-            <a:r>
-              <a:rPr lang="en-US" sz="3600" b="1" spc="50" smtClean="0">
-                <a:ln w="12700" cmpd="sng">
-                  <a:noFill/>
-                  <a:prstDash val="solid"/>
-                </a:ln>
-                <a:solidFill>
-                  <a:schemeClr val="bg1"/>
-                </a:solidFill>
-                <a:effectLst>
-                  <a:glow rad="101600">
-                    <a:schemeClr val="tx1">
-                      <a:alpha val="60000"/>
-                    </a:schemeClr>
-                  </a:glow>
-                </a:effectLst>
-                <a:latin typeface="VNI-Aptima" pitchFamily="2" charset="0"/>
-                <a:ea typeface="+mj-ea"/>
-                <a:cs typeface="+mj-cs"/>
-              </a:rPr>
-              <a:t>.</a:t>
-            </a:r>
-            <a:r>
-              <a:rPr lang="en-US" sz="6600" b="1" spc="50" smtClean="0">
-                <a:ln w="12700" cmpd="sng">
-                  <a:noFill/>
-                  <a:prstDash val="solid"/>
-                </a:ln>
-                <a:solidFill>
-                  <a:schemeClr val="bg1"/>
-                </a:solidFill>
-                <a:effectLst>
-                  <a:glow rad="101600">
-                    <a:schemeClr val="tx1">
-                      <a:alpha val="60000"/>
-                    </a:schemeClr>
-                  </a:glow>
-                </a:effectLst>
-                <a:latin typeface="VNI-Aptima" pitchFamily="2" charset="0"/>
-                <a:ea typeface="+mj-ea"/>
-                <a:cs typeface="+mj-cs"/>
-              </a:rPr>
-              <a:t> Toâi soáng vui khi toâi nhìn leân Vua Thaùnh treân trôøi</a:t>
+              <a:t>2.</a:t>
             </a:r>
             <a:r>
               <a:rPr lang="en-US" sz="6600" b="1" spc="50">
@@ -3520,27 +3331,8 @@
                 <a:ea typeface="+mj-ea"/>
                 <a:cs typeface="+mj-cs"/>
               </a:rPr>
-              <a:t>.</a:t>
-            </a:r>
-            <a:endParaRPr lang="en-US" sz="6600" b="1" spc="50" smtClean="0">
-              <a:ln w="12700" cmpd="sng">
-                <a:noFill/>
-                <a:prstDash val="solid"/>
-              </a:ln>
-              <a:solidFill>
-                <a:schemeClr val="bg1"/>
-              </a:solidFill>
-              <a:effectLst>
-                <a:glow rad="101600">
-                  <a:schemeClr val="tx1">
-                    <a:alpha val="60000"/>
-                  </a:schemeClr>
-                </a:glow>
-              </a:effectLst>
-              <a:latin typeface="VNI-Aptima" pitchFamily="2" charset="0"/>
-              <a:ea typeface="+mj-ea"/>
-              <a:cs typeface="+mj-cs"/>
-            </a:endParaRPr>
+              <a:t> Toâi soáng vui khi toâi nhìn leân Vua Thaùnh treân trôøi.</a:t>
+            </a:r>
           </a:p>
         </p:txBody>
       </p:sp>
@@ -3583,7 +3375,7 @@
           </a:lstStyle>
           <a:p>
             <a:r>
-              <a:rPr lang="en-US" sz="3500" b="1" smtClean="0">
+              <a:rPr lang="en-US" sz="3500" b="1">
                 <a:solidFill>
                   <a:srgbClr val="FFFF00"/>
                 </a:solidFill>
@@ -3598,19 +3390,6 @@
               </a:rPr>
               <a:t>THAÙNH CA 731 - AÙNH SAÙNG CHO ÑÔØI</a:t>
             </a:r>
-            <a:endParaRPr lang="en-US" sz="3500" b="1">
-              <a:solidFill>
-                <a:srgbClr val="FFFF00"/>
-              </a:solidFill>
-              <a:effectLst>
-                <a:glow rad="101600">
-                  <a:schemeClr val="tx1">
-                    <a:alpha val="60000"/>
-                  </a:schemeClr>
-                </a:glow>
-              </a:effectLst>
-              <a:latin typeface="VNI-Garam" pitchFamily="34" charset="0"/>
-            </a:endParaRPr>
           </a:p>
         </p:txBody>
       </p:sp>
@@ -3619,13 +3398,6 @@
   <p:clrMapOvr>
     <a:masterClrMapping/>
   </p:clrMapOvr>
-  <p:timing>
-    <p:tnLst>
-      <p:par>
-        <p:cTn id="1" dur="indefinite" restart="never" nodeType="tmRoot"/>
-      </p:par>
-    </p:tnLst>
-  </p:timing>
 </p:sld>
 </file>
 
@@ -3678,7 +3450,7 @@
               </a:spcBef>
             </a:pPr>
             <a:r>
-              <a:rPr lang="en-US" sz="6600" b="1" spc="50" smtClean="0">
+              <a:rPr lang="en-US" sz="6600" b="1" spc="50">
                 <a:ln w="12700" cmpd="sng">
                   <a:noFill/>
                   <a:prstDash val="solid"/>
@@ -3700,7 +3472,7 @@
               <a:t>Ngaøi töøng thaáy böôùc toâi trong traàn gian </a:t>
             </a:r>
             <a:br>
-              <a:rPr lang="en-US" sz="6600" b="1" spc="50" smtClean="0">
+              <a:rPr lang="en-US" sz="6600" b="1" spc="50">
                 <a:ln w="12700" cmpd="sng">
                   <a:noFill/>
                   <a:prstDash val="solid"/>
@@ -3721,7 +3493,7 @@
               </a:rPr>
             </a:br>
             <a:r>
-              <a:rPr lang="en-US" sz="6600" b="1" spc="50" smtClean="0">
+              <a:rPr lang="en-US" sz="6600" b="1" spc="50">
                 <a:ln w="12700" cmpd="sng">
                   <a:noFill/>
                   <a:prstDash val="solid"/>
@@ -3784,7 +3556,7 @@
           </a:lstStyle>
           <a:p>
             <a:r>
-              <a:rPr lang="en-US" sz="3500" b="1" smtClean="0">
+              <a:rPr lang="en-US" sz="3500" b="1">
                 <a:solidFill>
                   <a:srgbClr val="FFFF00"/>
                 </a:solidFill>
@@ -3799,19 +3571,6 @@
               </a:rPr>
               <a:t>THAÙNH CA 731 - AÙNH SAÙNG CHO ÑÔØI</a:t>
             </a:r>
-            <a:endParaRPr lang="en-US" sz="3500" b="1">
-              <a:solidFill>
-                <a:srgbClr val="FFFF00"/>
-              </a:solidFill>
-              <a:effectLst>
-                <a:glow rad="101600">
-                  <a:schemeClr val="tx1">
-                    <a:alpha val="60000"/>
-                  </a:schemeClr>
-                </a:glow>
-              </a:effectLst>
-              <a:latin typeface="VNI-Garam" pitchFamily="34" charset="0"/>
-            </a:endParaRPr>
           </a:p>
         </p:txBody>
       </p:sp>
@@ -3825,13 +3584,6 @@
   <p:clrMapOvr>
     <a:masterClrMapping/>
   </p:clrMapOvr>
-  <p:timing>
-    <p:tnLst>
-      <p:par>
-        <p:cTn id="1" dur="indefinite" restart="never" nodeType="tmRoot"/>
-      </p:par>
-    </p:tnLst>
-  </p:timing>
 </p:sld>
 </file>
 
@@ -3884,7 +3636,7 @@
               </a:spcBef>
             </a:pPr>
             <a:r>
-              <a:rPr lang="en-US" sz="6600" b="1" spc="50" smtClean="0">
+              <a:rPr lang="en-US" sz="6600" b="1" spc="50">
                 <a:ln w="12700" cmpd="sng">
                   <a:noFill/>
                   <a:prstDash val="solid"/>
@@ -3906,7 +3658,7 @@
               <a:t>Vui bieát bao luùc </a:t>
             </a:r>
             <a:br>
-              <a:rPr lang="en-US" sz="6600" b="1" spc="50" smtClean="0">
+              <a:rPr lang="en-US" sz="6600" b="1" spc="50">
                 <a:ln w="12700" cmpd="sng">
                   <a:noFill/>
                   <a:prstDash val="solid"/>
@@ -3927,7 +3679,7 @@
               </a:rPr>
             </a:br>
             <a:r>
-              <a:rPr lang="en-US" sz="6600" b="1" spc="50" smtClean="0">
+              <a:rPr lang="en-US" sz="6600" b="1" spc="50">
                 <a:ln w="12700" cmpd="sng">
                   <a:noFill/>
                   <a:prstDash val="solid"/>
@@ -3949,7 +3701,7 @@
               <a:t>taâm hoàn toâi haøo </a:t>
             </a:r>
             <a:br>
-              <a:rPr lang="en-US" sz="6600" b="1" spc="50" smtClean="0">
+              <a:rPr lang="en-US" sz="6600" b="1" spc="50">
                 <a:ln w="12700" cmpd="sng">
                   <a:noFill/>
                   <a:prstDash val="solid"/>
@@ -3970,28 +3722,6 @@
               </a:rPr>
             </a:br>
             <a:r>
-              <a:rPr lang="en-US" sz="6600" b="1" spc="50" smtClean="0">
-                <a:ln w="12700" cmpd="sng">
-                  <a:noFill/>
-                  <a:prstDash val="solid"/>
-                </a:ln>
-                <a:solidFill>
-                  <a:schemeClr val="bg1"/>
-                </a:solidFill>
-                <a:effectLst>
-                  <a:glow rad="101600">
-                    <a:schemeClr val="tx1">
-                      <a:alpha val="60000"/>
-                    </a:schemeClr>
-                  </a:glow>
-                </a:effectLst>
-                <a:latin typeface="VNI-Aptima" pitchFamily="2" charset="0"/>
-                <a:ea typeface="+mj-ea"/>
-                <a:cs typeface="+mj-cs"/>
-              </a:rPr>
-              <a:t>quang toûa saùng</a:t>
-            </a:r>
-            <a:r>
               <a:rPr lang="en-US" sz="6600" b="1" spc="50">
                 <a:ln w="12700" cmpd="sng">
                   <a:noFill/>
@@ -4011,27 +3741,8 @@
                 <a:ea typeface="+mj-ea"/>
                 <a:cs typeface="+mj-cs"/>
               </a:rPr>
-              <a:t>.</a:t>
-            </a:r>
-            <a:endParaRPr lang="en-US" sz="6600" b="1" spc="50" smtClean="0">
-              <a:ln w="12700" cmpd="sng">
-                <a:noFill/>
-                <a:prstDash val="solid"/>
-              </a:ln>
-              <a:solidFill>
-                <a:schemeClr val="bg1"/>
-              </a:solidFill>
-              <a:effectLst>
-                <a:glow rad="101600">
-                  <a:schemeClr val="tx1">
-                    <a:alpha val="60000"/>
-                  </a:schemeClr>
-                </a:glow>
-              </a:effectLst>
-              <a:latin typeface="VNI-Aptima" pitchFamily="2" charset="0"/>
-              <a:ea typeface="+mj-ea"/>
-              <a:cs typeface="+mj-cs"/>
-            </a:endParaRPr>
+              <a:t>quang toûa saùng.</a:t>
+            </a:r>
           </a:p>
         </p:txBody>
       </p:sp>
@@ -4074,7 +3785,7 @@
           </a:lstStyle>
           <a:p>
             <a:r>
-              <a:rPr lang="en-US" sz="3500" b="1" smtClean="0">
+              <a:rPr lang="en-US" sz="3500" b="1">
                 <a:solidFill>
                   <a:srgbClr val="FFFF00"/>
                 </a:solidFill>
@@ -4089,19 +3800,6 @@
               </a:rPr>
               <a:t>THAÙNH CA 731 - AÙNH SAÙNG CHO ÑÔØI</a:t>
             </a:r>
-            <a:endParaRPr lang="en-US" sz="3500" b="1">
-              <a:solidFill>
-                <a:srgbClr val="FFFF00"/>
-              </a:solidFill>
-              <a:effectLst>
-                <a:glow rad="101600">
-                  <a:schemeClr val="tx1">
-                    <a:alpha val="60000"/>
-                  </a:schemeClr>
-                </a:glow>
-              </a:effectLst>
-              <a:latin typeface="VNI-Garam" pitchFamily="34" charset="0"/>
-            </a:endParaRPr>
           </a:p>
         </p:txBody>
       </p:sp>
@@ -4110,13 +3808,6 @@
   <p:clrMapOvr>
     <a:masterClrMapping/>
   </p:clrMapOvr>
-  <p:timing>
-    <p:tnLst>
-      <p:par>
-        <p:cTn id="1" dur="indefinite" restart="never" nodeType="tmRoot"/>
-      </p:par>
-    </p:tnLst>
-  </p:timing>
 </p:sld>
 </file>
 
@@ -4169,7 +3860,7 @@
               </a:spcBef>
             </a:pPr>
             <a:r>
-              <a:rPr lang="en-US" sz="6600" b="1" spc="50" smtClean="0">
+              <a:rPr lang="en-US" sz="6600" b="1" spc="50">
                 <a:ln w="12700" cmpd="sng">
                   <a:noFill/>
                   <a:prstDash val="solid"/>
@@ -4191,7 +3882,7 @@
               <a:t>Moãi phuùt giaây </a:t>
             </a:r>
             <a:br>
-              <a:rPr lang="en-US" sz="6600" b="1" spc="50" smtClean="0">
+              <a:rPr lang="en-US" sz="6600" b="1" spc="50">
                 <a:ln w="12700" cmpd="sng">
                   <a:noFill/>
                   <a:prstDash val="solid"/>
@@ -4212,7 +3903,7 @@
               </a:rPr>
             </a:br>
             <a:r>
-              <a:rPr lang="en-US" sz="6600" b="1" spc="50" smtClean="0">
+              <a:rPr lang="en-US" sz="6600" b="1" spc="50">
                 <a:ln w="12700" cmpd="sng">
                   <a:noFill/>
                   <a:prstDash val="solid"/>
@@ -4234,7 +3925,7 @@
               <a:t>ñöôøng toâi coù </a:t>
             </a:r>
             <a:br>
-              <a:rPr lang="en-US" sz="6600" b="1" spc="50" smtClean="0">
+              <a:rPr lang="en-US" sz="6600" b="1" spc="50">
                 <a:ln w="12700" cmpd="sng">
                   <a:noFill/>
                   <a:prstDash val="solid"/>
@@ -4255,7 +3946,7 @@
               </a:rPr>
             </a:br>
             <a:r>
-              <a:rPr lang="en-US" sz="6600" b="1" spc="50" smtClean="0">
+              <a:rPr lang="en-US" sz="6600" b="1" spc="50">
                 <a:ln w="12700" cmpd="sng">
                   <a:noFill/>
                   <a:prstDash val="solid"/>
@@ -4318,7 +4009,7 @@
           </a:lstStyle>
           <a:p>
             <a:r>
-              <a:rPr lang="en-US" sz="3500" b="1" smtClean="0">
+              <a:rPr lang="en-US" sz="3500" b="1">
                 <a:solidFill>
                   <a:srgbClr val="FFFF00"/>
                 </a:solidFill>
@@ -4333,19 +4024,6 @@
               </a:rPr>
               <a:t>THAÙNH CA 731 - AÙNH SAÙNG CHO ÑÔØI</a:t>
             </a:r>
-            <a:endParaRPr lang="en-US" sz="3500" b="1">
-              <a:solidFill>
-                <a:srgbClr val="FFFF00"/>
-              </a:solidFill>
-              <a:effectLst>
-                <a:glow rad="101600">
-                  <a:schemeClr val="tx1">
-                    <a:alpha val="60000"/>
-                  </a:schemeClr>
-                </a:glow>
-              </a:effectLst>
-              <a:latin typeface="VNI-Garam" pitchFamily="34" charset="0"/>
-            </a:endParaRPr>
           </a:p>
         </p:txBody>
       </p:sp>
@@ -4359,13 +4037,6 @@
   <p:clrMapOvr>
     <a:masterClrMapping/>
   </p:clrMapOvr>
-  <p:timing>
-    <p:tnLst>
-      <p:par>
-        <p:cTn id="1" dur="indefinite" restart="never" nodeType="tmRoot"/>
-      </p:par>
-    </p:tnLst>
-  </p:timing>
 </p:sld>
 </file>
 
@@ -4418,7 +4089,7 @@
               </a:spcBef>
             </a:pPr>
             <a:r>
-              <a:rPr lang="en-US" sz="3600" b="1" i="1" u="sng" spc="50" smtClean="0">
+              <a:rPr lang="en-US" sz="3600" b="1" i="1" u="sng" spc="50">
                 <a:ln w="12700" cmpd="sng">
                   <a:noFill/>
                   <a:prstDash val="solid"/>
@@ -4440,7 +4111,7 @@
               <a:t>ÑK:</a:t>
             </a:r>
             <a:r>
-              <a:rPr lang="en-US" sz="6600" b="1" spc="50" smtClean="0">
+              <a:rPr lang="en-US" sz="6600" b="1" spc="50">
                 <a:ln w="12700" cmpd="sng">
                   <a:noFill/>
                   <a:prstDash val="solid"/>
@@ -4462,7 +4133,7 @@
               <a:t> Ñôøi ta seõ saùng </a:t>
             </a:r>
             <a:br>
-              <a:rPr lang="en-US" sz="6600" b="1" spc="50" smtClean="0">
+              <a:rPr lang="en-US" sz="6600" b="1" spc="50">
                 <a:ln w="12700" cmpd="sng">
                   <a:noFill/>
                   <a:prstDash val="solid"/>
@@ -4483,7 +4154,7 @@
               </a:rPr>
             </a:br>
             <a:r>
-              <a:rPr lang="en-US" sz="6600" b="1" spc="50" smtClean="0">
+              <a:rPr lang="en-US" sz="6600" b="1" spc="50">
                 <a:ln w="12700" cmpd="sng">
                   <a:noFill/>
                   <a:prstDash val="solid"/>
@@ -4505,7 +4176,7 @@
               <a:t>töôi hôn töø khi </a:t>
             </a:r>
             <a:br>
-              <a:rPr lang="en-US" sz="6600" b="1" spc="50" smtClean="0">
+              <a:rPr lang="en-US" sz="6600" b="1" spc="50">
                 <a:ln w="12700" cmpd="sng">
                   <a:noFill/>
                   <a:prstDash val="solid"/>
@@ -4526,7 +4197,7 @@
               </a:rPr>
             </a:br>
             <a:r>
-              <a:rPr lang="en-US" sz="6600" b="1" spc="50" smtClean="0">
+              <a:rPr lang="en-US" sz="6600" b="1" spc="50">
                 <a:ln w="12700" cmpd="sng">
                   <a:noFill/>
                   <a:prstDash val="solid"/>
@@ -4589,7 +4260,7 @@
           </a:lstStyle>
           <a:p>
             <a:r>
-              <a:rPr lang="en-US" sz="3500" b="1" smtClean="0">
+              <a:rPr lang="en-US" sz="3500" b="1">
                 <a:solidFill>
                   <a:srgbClr val="FFFF00"/>
                 </a:solidFill>
@@ -4604,19 +4275,6 @@
               </a:rPr>
               <a:t>THAÙNH CA 731 - AÙNH SAÙNG CHO ÑÔØI</a:t>
             </a:r>
-            <a:endParaRPr lang="en-US" sz="3500" b="1">
-              <a:solidFill>
-                <a:srgbClr val="FFFF00"/>
-              </a:solidFill>
-              <a:effectLst>
-                <a:glow rad="101600">
-                  <a:schemeClr val="tx1">
-                    <a:alpha val="60000"/>
-                  </a:schemeClr>
-                </a:glow>
-              </a:effectLst>
-              <a:latin typeface="VNI-Garam" pitchFamily="34" charset="0"/>
-            </a:endParaRPr>
           </a:p>
         </p:txBody>
       </p:sp>
@@ -4630,13 +4288,6 @@
   <p:clrMapOvr>
     <a:masterClrMapping/>
   </p:clrMapOvr>
-  <p:timing>
-    <p:tnLst>
-      <p:par>
-        <p:cTn id="1" dur="indefinite" restart="never" nodeType="tmRoot"/>
-      </p:par>
-    </p:tnLst>
-  </p:timing>
 </p:sld>
 </file>
 
@@ -4689,7 +4340,7 @@
               </a:spcBef>
             </a:pPr>
             <a:r>
-              <a:rPr lang="en-US" sz="6600" b="1" spc="50" smtClean="0">
+              <a:rPr lang="en-US" sz="6600" b="1" spc="50">
                 <a:ln w="12700" cmpd="sng">
                   <a:noFill/>
                   <a:prstDash val="solid"/>
@@ -4711,7 +4362,7 @@
               <a:t>Maëc duø côn gioù </a:t>
             </a:r>
             <a:br>
-              <a:rPr lang="en-US" sz="6600" b="1" spc="50" smtClean="0">
+              <a:rPr lang="en-US" sz="6600" b="1" spc="50">
                 <a:ln w="12700" cmpd="sng">
                   <a:noFill/>
                   <a:prstDash val="solid"/>
@@ -4732,7 +4383,7 @@
               </a:rPr>
             </a:br>
             <a:r>
-              <a:rPr lang="en-US" sz="6600" b="1" spc="50" smtClean="0">
+              <a:rPr lang="en-US" sz="6600" b="1" spc="50">
                 <a:ln w="12700" cmpd="sng">
                   <a:noFill/>
                   <a:prstDash val="solid"/>
@@ -4754,7 +4405,7 @@
               <a:t>ñau thöông vaây </a:t>
             </a:r>
             <a:br>
-              <a:rPr lang="en-US" sz="6600" b="1" spc="50" smtClean="0">
+              <a:rPr lang="en-US" sz="6600" b="1" spc="50">
                 <a:ln w="12700" cmpd="sng">
                   <a:noFill/>
                   <a:prstDash val="solid"/>
@@ -4775,7 +4426,7 @@
               </a:rPr>
             </a:br>
             <a:r>
-              <a:rPr lang="en-US" sz="6600" b="1" spc="50" smtClean="0">
+              <a:rPr lang="en-US" sz="6600" b="1" spc="50">
                 <a:ln w="12700" cmpd="sng">
                   <a:noFill/>
                   <a:prstDash val="solid"/>
@@ -4838,7 +4489,7 @@
           </a:lstStyle>
           <a:p>
             <a:r>
-              <a:rPr lang="en-US" sz="3500" b="1" smtClean="0">
+              <a:rPr lang="en-US" sz="3500" b="1">
                 <a:solidFill>
                   <a:srgbClr val="FFFF00"/>
                 </a:solidFill>
@@ -4853,19 +4504,6 @@
               </a:rPr>
               <a:t>THAÙNH CA 731 - AÙNH SAÙNG CHO ÑÔØI</a:t>
             </a:r>
-            <a:endParaRPr lang="en-US" sz="3500" b="1">
-              <a:solidFill>
-                <a:srgbClr val="FFFF00"/>
-              </a:solidFill>
-              <a:effectLst>
-                <a:glow rad="101600">
-                  <a:schemeClr val="tx1">
-                    <a:alpha val="60000"/>
-                  </a:schemeClr>
-                </a:glow>
-              </a:effectLst>
-              <a:latin typeface="VNI-Garam" pitchFamily="34" charset="0"/>
-            </a:endParaRPr>
           </a:p>
         </p:txBody>
       </p:sp>
@@ -4879,13 +4517,6 @@
   <p:clrMapOvr>
     <a:masterClrMapping/>
   </p:clrMapOvr>
-  <p:timing>
-    <p:tnLst>
-      <p:par>
-        <p:cTn id="1" dur="indefinite" restart="never" nodeType="tmRoot"/>
-      </p:par>
-    </p:tnLst>
-  </p:timing>
 </p:sld>
 </file>
 
@@ -4938,7 +4569,7 @@
               </a:spcBef>
             </a:pPr>
             <a:r>
-              <a:rPr lang="en-US" sz="6600" b="1" spc="50" smtClean="0">
+              <a:rPr lang="en-US" sz="6600" b="1" spc="50">
                 <a:ln w="12700" cmpd="sng">
                   <a:noFill/>
                   <a:prstDash val="solid"/>
@@ -4960,7 +4591,7 @@
               <a:t>Trong theá gian ta khoâng tìm ñöôïc </a:t>
             </a:r>
             <a:br>
-              <a:rPr lang="en-US" sz="6600" b="1" spc="50" smtClean="0">
+              <a:rPr lang="en-US" sz="6600" b="1" spc="50">
                 <a:ln w="12700" cmpd="sng">
                   <a:noFill/>
                   <a:prstDash val="solid"/>
@@ -4981,28 +4612,6 @@
               </a:rPr>
             </a:br>
             <a:r>
-              <a:rPr lang="en-US" sz="6600" b="1" spc="50" smtClean="0">
-                <a:ln w="12700" cmpd="sng">
-                  <a:noFill/>
-                  <a:prstDash val="solid"/>
-                </a:ln>
-                <a:solidFill>
-                  <a:schemeClr val="bg1"/>
-                </a:solidFill>
-                <a:effectLst>
-                  <a:glow rad="101600">
-                    <a:schemeClr val="tx1">
-                      <a:alpha val="60000"/>
-                    </a:schemeClr>
-                  </a:glow>
-                </a:effectLst>
-                <a:latin typeface="VNI-Aptima" pitchFamily="2" charset="0"/>
-                <a:ea typeface="+mj-ea"/>
-                <a:cs typeface="+mj-cs"/>
-              </a:rPr>
-              <a:t>moät caâu giaûi ñaùp</a:t>
-            </a:r>
-            <a:r>
               <a:rPr lang="en-US" sz="6600" b="1" spc="50">
                 <a:ln w="12700" cmpd="sng">
                   <a:noFill/>
@@ -5022,27 +4631,8 @@
                 <a:ea typeface="+mj-ea"/>
                 <a:cs typeface="+mj-cs"/>
               </a:rPr>
-              <a:t>.</a:t>
-            </a:r>
-            <a:endParaRPr lang="en-US" sz="6600" b="1" spc="50" smtClean="0">
-              <a:ln w="12700" cmpd="sng">
-                <a:noFill/>
-                <a:prstDash val="solid"/>
-              </a:ln>
-              <a:solidFill>
-                <a:schemeClr val="bg1"/>
-              </a:solidFill>
-              <a:effectLst>
-                <a:glow rad="101600">
-                  <a:schemeClr val="tx1">
-                    <a:alpha val="60000"/>
-                  </a:schemeClr>
-                </a:glow>
-              </a:effectLst>
-              <a:latin typeface="VNI-Aptima" pitchFamily="2" charset="0"/>
-              <a:ea typeface="+mj-ea"/>
-              <a:cs typeface="+mj-cs"/>
-            </a:endParaRPr>
+              <a:t>moät caâu giaûi ñaùp.</a:t>
+            </a:r>
           </a:p>
         </p:txBody>
       </p:sp>
@@ -5085,7 +4675,7 @@
           </a:lstStyle>
           <a:p>
             <a:r>
-              <a:rPr lang="en-US" sz="3500" b="1" smtClean="0">
+              <a:rPr lang="en-US" sz="3500" b="1">
                 <a:solidFill>
                   <a:srgbClr val="FFFF00"/>
                 </a:solidFill>
@@ -5100,19 +4690,6 @@
               </a:rPr>
               <a:t>THAÙNH CA 731 - AÙNH SAÙNG CHO ÑÔØI</a:t>
             </a:r>
-            <a:endParaRPr lang="en-US" sz="3500" b="1">
-              <a:solidFill>
-                <a:srgbClr val="FFFF00"/>
-              </a:solidFill>
-              <a:effectLst>
-                <a:glow rad="101600">
-                  <a:schemeClr val="tx1">
-                    <a:alpha val="60000"/>
-                  </a:schemeClr>
-                </a:glow>
-              </a:effectLst>
-              <a:latin typeface="VNI-Garam" pitchFamily="34" charset="0"/>
-            </a:endParaRPr>
           </a:p>
         </p:txBody>
       </p:sp>
@@ -5126,13 +4703,6 @@
   <p:clrMapOvr>
     <a:masterClrMapping/>
   </p:clrMapOvr>
-  <p:timing>
-    <p:tnLst>
-      <p:par>
-        <p:cTn id="1" dur="indefinite" restart="never" nodeType="tmRoot"/>
-      </p:par>
-    </p:tnLst>
-  </p:timing>
 </p:sld>
 </file>
 
@@ -5185,7 +4755,7 @@
               </a:spcBef>
             </a:pPr>
             <a:r>
-              <a:rPr lang="en-US" sz="6600" b="1" spc="50" smtClean="0">
+              <a:rPr lang="en-US" sz="6600" b="1" spc="50">
                 <a:ln w="12700" cmpd="sng">
                   <a:noFill/>
                   <a:prstDash val="solid"/>
@@ -5207,7 +4777,7 @@
               <a:t>Chuùa Jeâsus laø </a:t>
             </a:r>
             <a:br>
-              <a:rPr lang="en-US" sz="6600" b="1" spc="50" smtClean="0">
+              <a:rPr lang="en-US" sz="6600" b="1" spc="50">
                 <a:ln w="12700" cmpd="sng">
                   <a:noFill/>
                   <a:prstDash val="solid"/>
@@ -5228,7 +4798,7 @@
               </a:rPr>
             </a:br>
             <a:r>
-              <a:rPr lang="en-US" sz="6600" b="1" spc="50" smtClean="0">
+              <a:rPr lang="en-US" sz="6600" b="1" spc="50">
                 <a:ln w="12700" cmpd="sng">
                   <a:noFill/>
                   <a:prstDash val="solid"/>
@@ -5250,7 +4820,7 @@
               <a:t>aùnh saùng toûa soi </a:t>
             </a:r>
             <a:br>
-              <a:rPr lang="en-US" sz="6600" b="1" spc="50" smtClean="0">
+              <a:rPr lang="en-US" sz="6600" b="1" spc="50">
                 <a:ln w="12700" cmpd="sng">
                   <a:noFill/>
                   <a:prstDash val="solid"/>
@@ -5271,7 +4841,7 @@
               </a:rPr>
             </a:br>
             <a:r>
-              <a:rPr lang="en-US" sz="6600" b="1" spc="50" smtClean="0">
+              <a:rPr lang="en-US" sz="6600" b="1" spc="50">
                 <a:ln w="12700" cmpd="sng">
                   <a:noFill/>
                   <a:prstDash val="solid"/>
@@ -5334,7 +4904,7 @@
           </a:lstStyle>
           <a:p>
             <a:r>
-              <a:rPr lang="en-US" sz="3500" b="1" smtClean="0">
+              <a:rPr lang="en-US" sz="3500" b="1">
                 <a:solidFill>
                   <a:srgbClr val="FFFF00"/>
                 </a:solidFill>
@@ -5349,19 +4919,6 @@
               </a:rPr>
               <a:t>THAÙNH CA 731 - AÙNH SAÙNG CHO ÑÔØI</a:t>
             </a:r>
-            <a:endParaRPr lang="en-US" sz="3500" b="1">
-              <a:solidFill>
-                <a:srgbClr val="FFFF00"/>
-              </a:solidFill>
-              <a:effectLst>
-                <a:glow rad="101600">
-                  <a:schemeClr val="tx1">
-                    <a:alpha val="60000"/>
-                  </a:schemeClr>
-                </a:glow>
-              </a:effectLst>
-              <a:latin typeface="VNI-Garam" pitchFamily="34" charset="0"/>
-            </a:endParaRPr>
           </a:p>
         </p:txBody>
       </p:sp>
@@ -5375,13 +4932,6 @@
   <p:clrMapOvr>
     <a:masterClrMapping/>
   </p:clrMapOvr>
-  <p:timing>
-    <p:tnLst>
-      <p:par>
-        <p:cTn id="1" dur="indefinite" restart="never" nodeType="tmRoot"/>
-      </p:par>
-    </p:tnLst>
-  </p:timing>
 </p:sld>
 </file>
 
@@ -5434,7 +4984,7 @@
               </a:spcBef>
             </a:pPr>
             <a:r>
-              <a:rPr lang="en-US" sz="3600" b="1" spc="50" smtClean="0">
+              <a:rPr lang="en-US" sz="3600" b="1" spc="50">
                 <a:ln w="12700" cmpd="sng">
                   <a:noFill/>
                   <a:prstDash val="solid"/>
@@ -5456,7 +5006,7 @@
               <a:t>1.</a:t>
             </a:r>
             <a:r>
-              <a:rPr lang="en-US" sz="6600" b="1" spc="50" smtClean="0">
+              <a:rPr lang="en-US" sz="6600" b="1" spc="50">
                 <a:ln w="12700" cmpd="sng">
                   <a:noFill/>
                   <a:prstDash val="solid"/>
@@ -5609,30 +5159,8 @@
               </a:rPr>
               <a:t> </a:t>
             </a:r>
-            <a:r>
-              <a:rPr lang="en-US" sz="6600" b="1" spc="50" smtClean="0">
-                <a:ln w="12700" cmpd="sng">
-                  <a:noFill/>
-                  <a:prstDash val="solid"/>
-                </a:ln>
-                <a:solidFill>
-                  <a:schemeClr val="bg1"/>
-                </a:solidFill>
-                <a:effectLst>
-                  <a:glow rad="101600">
-                    <a:schemeClr val="tx1">
-                      <a:alpha val="60000"/>
-                    </a:schemeClr>
-                  </a:glow>
-                </a:effectLst>
-                <a:latin typeface="VNI-Aptima" pitchFamily="2" charset="0"/>
-                <a:ea typeface="+mj-ea"/>
-                <a:cs typeface="+mj-cs"/>
-              </a:rPr>
-              <a:t/>
-            </a:r>
             <a:br>
-              <a:rPr lang="en-US" sz="6600" b="1" spc="50" smtClean="0">
+              <a:rPr lang="en-US" sz="6600" b="1" spc="50">
                 <a:ln w="12700" cmpd="sng">
                   <a:noFill/>
                   <a:prstDash val="solid"/>
@@ -5653,7 +5181,7 @@
               </a:rPr>
             </a:br>
             <a:r>
-              <a:rPr lang="en-US" sz="6600" b="1" spc="50" smtClean="0">
+              <a:rPr lang="en-US" sz="6600" b="1" spc="50">
                 <a:ln w="12700" cmpd="sng">
                   <a:noFill/>
                   <a:prstDash val="solid"/>
@@ -5892,51 +5420,7 @@
                 <a:ea typeface="+mj-ea"/>
                 <a:cs typeface="+mj-cs"/>
               </a:rPr>
-              <a:t> </a:t>
-            </a:r>
-            <a:r>
-              <a:rPr lang="en-US" sz="6600" b="1" spc="50" smtClean="0">
-                <a:ln w="12700" cmpd="sng">
-                  <a:noFill/>
-                  <a:prstDash val="solid"/>
-                </a:ln>
-                <a:solidFill>
-                  <a:schemeClr val="bg1"/>
-                </a:solidFill>
-                <a:effectLst>
-                  <a:glow rad="101600">
-                    <a:schemeClr val="tx1">
-                      <a:alpha val="60000"/>
-                    </a:schemeClr>
-                  </a:glow>
-                </a:effectLst>
-                <a:latin typeface="VNI-Aptima" pitchFamily="2" charset="0"/>
-                <a:ea typeface="+mj-ea"/>
-                <a:cs typeface="+mj-cs"/>
-              </a:rPr>
-              <a:t>ñôøi</a:t>
-            </a:r>
-            <a:r>
-              <a:rPr lang="en-US" sz="6600" b="1" spc="50">
-                <a:ln w="12700" cmpd="sng">
-                  <a:noFill/>
-                  <a:prstDash val="solid"/>
-                </a:ln>
-                <a:solidFill>
-                  <a:schemeClr val="bg1"/>
-                </a:solidFill>
-                <a:effectLst>
-                  <a:glow rad="101600">
-                    <a:schemeClr val="tx1">
-                      <a:alpha val="60000"/>
-                    </a:schemeClr>
-                  </a:glow>
-                </a:effectLst>
-                <a:latin typeface="VNI-Aptima" pitchFamily="2" charset="0"/>
-                <a:ea typeface="+mj-ea"/>
-                <a:cs typeface="+mj-cs"/>
-              </a:rPr>
-              <a:t>.</a:t>
+              <a:t> ñôøi.</a:t>
             </a:r>
           </a:p>
         </p:txBody>
@@ -5964,7 +5448,7 @@
           <a:lstStyle/>
           <a:p>
             <a:r>
-              <a:rPr lang="en-US" sz="3500" b="1" smtClean="0">
+              <a:rPr lang="en-US" sz="3500" b="1">
                 <a:solidFill>
                   <a:srgbClr val="FFFF00"/>
                 </a:solidFill>
@@ -6051,13 +5535,6 @@
   <p:transition spd="slow">
     <p:randomBar dir="vert"/>
   </p:transition>
-  <p:timing>
-    <p:tnLst>
-      <p:par>
-        <p:cTn id="1" dur="indefinite" restart="never" nodeType="tmRoot"/>
-      </p:par>
-    </p:tnLst>
-  </p:timing>
 </p:sld>
 </file>
 
@@ -6110,7 +5587,7 @@
               </a:spcBef>
             </a:pPr>
             <a:r>
-              <a:rPr lang="en-US" sz="6600" b="1" spc="50" smtClean="0">
+              <a:rPr lang="en-US" sz="6600" b="1" spc="50">
                 <a:ln w="12700" cmpd="sng">
                   <a:noFill/>
                   <a:prstDash val="solid"/>
@@ -6465,7 +5942,7 @@
           <a:lstStyle/>
           <a:p>
             <a:r>
-              <a:rPr lang="en-US" sz="3500" b="1" smtClean="0">
+              <a:rPr lang="en-US" sz="3500" b="1">
                 <a:solidFill>
                   <a:srgbClr val="FFFF00"/>
                 </a:solidFill>
@@ -6554,13 +6031,6 @@
   <p:clrMapOvr>
     <a:masterClrMapping/>
   </p:clrMapOvr>
-  <p:timing>
-    <p:tnLst>
-      <p:par>
-        <p:cTn id="1" dur="indefinite" restart="never" nodeType="tmRoot"/>
-      </p:par>
-    </p:tnLst>
-  </p:timing>
 </p:sld>
 </file>
 
@@ -6613,7 +6083,7 @@
               </a:spcBef>
             </a:pPr>
             <a:r>
-              <a:rPr lang="en-US" sz="6600" b="1" spc="50" smtClean="0">
+              <a:rPr lang="en-US" sz="6600" b="1" spc="50">
                 <a:ln w="12700" cmpd="sng">
                   <a:noFill/>
                   <a:prstDash val="solid"/>
@@ -6635,7 +6105,7 @@
               <a:t>Trong theá gian </a:t>
             </a:r>
             <a:br>
-              <a:rPr lang="en-US" sz="6600" b="1" spc="50" smtClean="0">
+              <a:rPr lang="en-US" sz="6600" b="1" spc="50">
                 <a:ln w="12700" cmpd="sng">
                   <a:noFill/>
                   <a:prstDash val="solid"/>
@@ -6656,7 +6126,7 @@
               </a:rPr>
             </a:br>
             <a:r>
-              <a:rPr lang="en-US" sz="6600" b="1" spc="50" smtClean="0">
+              <a:rPr lang="en-US" sz="6600" b="1" spc="50">
                 <a:ln w="12700" cmpd="sng">
                   <a:noFill/>
                   <a:prstDash val="solid"/>
@@ -6678,7 +6148,7 @@
               <a:t>coù ai tìm ñöôïc moät </a:t>
             </a:r>
             <a:br>
-              <a:rPr lang="en-US" sz="6600" b="1" spc="50" smtClean="0">
+              <a:rPr lang="en-US" sz="6600" b="1" spc="50">
                 <a:ln w="12700" cmpd="sng">
                   <a:noFill/>
                   <a:prstDash val="solid"/>
@@ -6699,28 +6169,6 @@
               </a:rPr>
             </a:br>
             <a:r>
-              <a:rPr lang="en-US" sz="6600" b="1" spc="50" smtClean="0">
-                <a:ln w="12700" cmpd="sng">
-                  <a:noFill/>
-                  <a:prstDash val="solid"/>
-                </a:ln>
-                <a:solidFill>
-                  <a:schemeClr val="bg1"/>
-                </a:solidFill>
-                <a:effectLst>
-                  <a:glow rad="101600">
-                    <a:schemeClr val="tx1">
-                      <a:alpha val="60000"/>
-                    </a:schemeClr>
-                  </a:glow>
-                </a:effectLst>
-                <a:latin typeface="VNI-Aptima" pitchFamily="2" charset="0"/>
-                <a:ea typeface="+mj-ea"/>
-                <a:cs typeface="+mj-cs"/>
-              </a:rPr>
-              <a:t>caâu giaûi ñaùp</a:t>
-            </a:r>
-            <a:r>
               <a:rPr lang="en-US" sz="6600" b="1" spc="50">
                 <a:ln w="12700" cmpd="sng">
                   <a:noFill/>
@@ -6740,27 +6188,8 @@
                 <a:ea typeface="+mj-ea"/>
                 <a:cs typeface="+mj-cs"/>
               </a:rPr>
-              <a:t>.</a:t>
-            </a:r>
-            <a:endParaRPr lang="en-US" sz="6600" b="1" spc="50" smtClean="0">
-              <a:ln w="12700" cmpd="sng">
-                <a:noFill/>
-                <a:prstDash val="solid"/>
-              </a:ln>
-              <a:solidFill>
-                <a:schemeClr val="bg1"/>
-              </a:solidFill>
-              <a:effectLst>
-                <a:glow rad="101600">
-                  <a:schemeClr val="tx1">
-                    <a:alpha val="60000"/>
-                  </a:schemeClr>
-                </a:glow>
-              </a:effectLst>
-              <a:latin typeface="VNI-Aptima" pitchFamily="2" charset="0"/>
-              <a:ea typeface="+mj-ea"/>
-              <a:cs typeface="+mj-cs"/>
-            </a:endParaRPr>
+              <a:t>caâu giaûi ñaùp.</a:t>
+            </a:r>
           </a:p>
         </p:txBody>
       </p:sp>
@@ -6803,7 +6232,7 @@
           </a:lstStyle>
           <a:p>
             <a:r>
-              <a:rPr lang="en-US" sz="3500" b="1" smtClean="0">
+              <a:rPr lang="en-US" sz="3500" b="1">
                 <a:solidFill>
                   <a:srgbClr val="FFFF00"/>
                 </a:solidFill>
@@ -6818,19 +6247,6 @@
               </a:rPr>
               <a:t>THAÙNH CA 731 - AÙNH SAÙNG CHO ÑÔØI</a:t>
             </a:r>
-            <a:endParaRPr lang="en-US" sz="3500" b="1">
-              <a:solidFill>
-                <a:srgbClr val="FFFF00"/>
-              </a:solidFill>
-              <a:effectLst>
-                <a:glow rad="101600">
-                  <a:schemeClr val="tx1">
-                    <a:alpha val="60000"/>
-                  </a:schemeClr>
-                </a:glow>
-              </a:effectLst>
-              <a:latin typeface="VNI-Garam" pitchFamily="34" charset="0"/>
-            </a:endParaRPr>
           </a:p>
         </p:txBody>
       </p:sp>
@@ -6839,13 +6255,6 @@
   <p:clrMapOvr>
     <a:masterClrMapping/>
   </p:clrMapOvr>
-  <p:timing>
-    <p:tnLst>
-      <p:par>
-        <p:cTn id="1" dur="indefinite" restart="never" nodeType="tmRoot"/>
-      </p:par>
-    </p:tnLst>
-  </p:timing>
 </p:sld>
 </file>
 
@@ -6898,7 +6307,7 @@
               </a:spcBef>
             </a:pPr>
             <a:r>
-              <a:rPr lang="en-US" sz="6600" b="1" spc="50" smtClean="0">
+              <a:rPr lang="en-US" sz="6600" b="1" spc="50">
                 <a:ln w="12700" cmpd="sng">
                   <a:noFill/>
                   <a:prstDash val="solid"/>
@@ -6920,7 +6329,7 @@
               <a:t>Giöõa khoù nguy ñaày caùm doã phuû vaây </a:t>
             </a:r>
             <a:br>
-              <a:rPr lang="en-US" sz="6600" b="1" spc="50" smtClean="0">
+              <a:rPr lang="en-US" sz="6600" b="1" spc="50">
                 <a:ln w="12700" cmpd="sng">
                   <a:noFill/>
                   <a:prstDash val="solid"/>
@@ -6941,7 +6350,7 @@
               </a:rPr>
             </a:br>
             <a:r>
-              <a:rPr lang="en-US" sz="6600" b="1" spc="50" smtClean="0">
+              <a:rPr lang="en-US" sz="6600" b="1" spc="50">
                 <a:ln w="12700" cmpd="sng">
                   <a:noFill/>
                   <a:prstDash val="solid"/>
@@ -7004,7 +6413,7 @@
           </a:lstStyle>
           <a:p>
             <a:r>
-              <a:rPr lang="en-US" sz="3500" b="1" smtClean="0">
+              <a:rPr lang="en-US" sz="3500" b="1">
                 <a:solidFill>
                   <a:srgbClr val="FFFF00"/>
                 </a:solidFill>
@@ -7019,19 +6428,6 @@
               </a:rPr>
               <a:t>THAÙNH CA 731 - AÙNH SAÙNG CHO ÑÔØI</a:t>
             </a:r>
-            <a:endParaRPr lang="en-US" sz="3500" b="1">
-              <a:solidFill>
-                <a:srgbClr val="FFFF00"/>
-              </a:solidFill>
-              <a:effectLst>
-                <a:glow rad="101600">
-                  <a:schemeClr val="tx1">
-                    <a:alpha val="60000"/>
-                  </a:schemeClr>
-                </a:glow>
-              </a:effectLst>
-              <a:latin typeface="VNI-Garam" pitchFamily="34" charset="0"/>
-            </a:endParaRPr>
           </a:p>
         </p:txBody>
       </p:sp>
@@ -7045,13 +6441,6 @@
   <p:clrMapOvr>
     <a:masterClrMapping/>
   </p:clrMapOvr>
-  <p:timing>
-    <p:tnLst>
-      <p:par>
-        <p:cTn id="1" dur="indefinite" restart="never" nodeType="tmRoot"/>
-      </p:par>
-    </p:tnLst>
-  </p:timing>
 </p:sld>
 </file>
 
@@ -7104,7 +6493,7 @@
               </a:spcBef>
             </a:pPr>
             <a:r>
-              <a:rPr lang="en-US" sz="3600" b="1" i="1" u="sng" spc="50" smtClean="0">
+              <a:rPr lang="en-US" sz="3600" b="1" i="1" u="sng" spc="50">
                 <a:ln w="12700" cmpd="sng">
                   <a:noFill/>
                   <a:prstDash val="solid"/>
@@ -7126,7 +6515,7 @@
               <a:t>ÑK:</a:t>
             </a:r>
             <a:r>
-              <a:rPr lang="en-US" sz="6600" b="1" spc="50" smtClean="0">
+              <a:rPr lang="en-US" sz="6600" b="1" spc="50">
                 <a:ln w="12700" cmpd="sng">
                   <a:noFill/>
                   <a:prstDash val="solid"/>
@@ -7148,7 +6537,7 @@
               <a:t> Ñôøi ta seõ saùng </a:t>
             </a:r>
             <a:br>
-              <a:rPr lang="en-US" sz="6600" b="1" spc="50" smtClean="0">
+              <a:rPr lang="en-US" sz="6600" b="1" spc="50">
                 <a:ln w="12700" cmpd="sng">
                   <a:noFill/>
                   <a:prstDash val="solid"/>
@@ -7169,7 +6558,7 @@
               </a:rPr>
             </a:br>
             <a:r>
-              <a:rPr lang="en-US" sz="6600" b="1" spc="50" smtClean="0">
+              <a:rPr lang="en-US" sz="6600" b="1" spc="50">
                 <a:ln w="12700" cmpd="sng">
                   <a:noFill/>
                   <a:prstDash val="solid"/>
@@ -7191,7 +6580,7 @@
               <a:t>töôi hôn töø khi </a:t>
             </a:r>
             <a:br>
-              <a:rPr lang="en-US" sz="6600" b="1" spc="50" smtClean="0">
+              <a:rPr lang="en-US" sz="6600" b="1" spc="50">
                 <a:ln w="12700" cmpd="sng">
                   <a:noFill/>
                   <a:prstDash val="solid"/>
@@ -7212,7 +6601,7 @@
               </a:rPr>
             </a:br>
             <a:r>
-              <a:rPr lang="en-US" sz="6600" b="1" spc="50" smtClean="0">
+              <a:rPr lang="en-US" sz="6600" b="1" spc="50">
                 <a:ln w="12700" cmpd="sng">
                   <a:noFill/>
                   <a:prstDash val="solid"/>
@@ -7275,7 +6664,7 @@
           </a:lstStyle>
           <a:p>
             <a:r>
-              <a:rPr lang="en-US" sz="3500" b="1" smtClean="0">
+              <a:rPr lang="en-US" sz="3500" b="1">
                 <a:solidFill>
                   <a:srgbClr val="FFFF00"/>
                 </a:solidFill>
@@ -7290,19 +6679,6 @@
               </a:rPr>
               <a:t>THAÙNH CA 731 - AÙNH SAÙNG CHO ÑÔØI</a:t>
             </a:r>
-            <a:endParaRPr lang="en-US" sz="3500" b="1">
-              <a:solidFill>
-                <a:srgbClr val="FFFF00"/>
-              </a:solidFill>
-              <a:effectLst>
-                <a:glow rad="101600">
-                  <a:schemeClr val="tx1">
-                    <a:alpha val="60000"/>
-                  </a:schemeClr>
-                </a:glow>
-              </a:effectLst>
-              <a:latin typeface="VNI-Garam" pitchFamily="34" charset="0"/>
-            </a:endParaRPr>
           </a:p>
         </p:txBody>
       </p:sp>
@@ -7311,13 +6687,6 @@
   <p:clrMapOvr>
     <a:masterClrMapping/>
   </p:clrMapOvr>
-  <p:timing>
-    <p:tnLst>
-      <p:par>
-        <p:cTn id="1" dur="indefinite" restart="never" nodeType="tmRoot"/>
-      </p:par>
-    </p:tnLst>
-  </p:timing>
 </p:sld>
 </file>
 
@@ -7370,7 +6739,7 @@
               </a:spcBef>
             </a:pPr>
             <a:r>
-              <a:rPr lang="en-US" sz="6600" b="1" spc="50" smtClean="0">
+              <a:rPr lang="en-US" sz="6600" b="1" spc="50">
                 <a:ln w="12700" cmpd="sng">
                   <a:noFill/>
                   <a:prstDash val="solid"/>
@@ -7392,7 +6761,7 @@
               <a:t>Maëc duø côn gioù </a:t>
             </a:r>
             <a:br>
-              <a:rPr lang="en-US" sz="6600" b="1" spc="50" smtClean="0">
+              <a:rPr lang="en-US" sz="6600" b="1" spc="50">
                 <a:ln w="12700" cmpd="sng">
                   <a:noFill/>
                   <a:prstDash val="solid"/>
@@ -7413,7 +6782,7 @@
               </a:rPr>
             </a:br>
             <a:r>
-              <a:rPr lang="en-US" sz="6600" b="1" spc="50" smtClean="0">
+              <a:rPr lang="en-US" sz="6600" b="1" spc="50">
                 <a:ln w="12700" cmpd="sng">
                   <a:noFill/>
                   <a:prstDash val="solid"/>
@@ -7435,7 +6804,7 @@
               <a:t>ñau thöông vaây </a:t>
             </a:r>
             <a:br>
-              <a:rPr lang="en-US" sz="6600" b="1" spc="50" smtClean="0">
+              <a:rPr lang="en-US" sz="6600" b="1" spc="50">
                 <a:ln w="12700" cmpd="sng">
                   <a:noFill/>
                   <a:prstDash val="solid"/>
@@ -7456,7 +6825,7 @@
               </a:rPr>
             </a:br>
             <a:r>
-              <a:rPr lang="en-US" sz="6600" b="1" spc="50" smtClean="0">
+              <a:rPr lang="en-US" sz="6600" b="1" spc="50">
                 <a:ln w="12700" cmpd="sng">
                   <a:noFill/>
                   <a:prstDash val="solid"/>
@@ -7519,7 +6888,7 @@
           </a:lstStyle>
           <a:p>
             <a:r>
-              <a:rPr lang="en-US" sz="3500" b="1" smtClean="0">
+              <a:rPr lang="en-US" sz="3500" b="1">
                 <a:solidFill>
                   <a:srgbClr val="FFFF00"/>
                 </a:solidFill>
@@ -7534,19 +6903,6 @@
               </a:rPr>
               <a:t>THAÙNH CA 731 - AÙNH SAÙNG CHO ÑÔØI</a:t>
             </a:r>
-            <a:endParaRPr lang="en-US" sz="3500" b="1">
-              <a:solidFill>
-                <a:srgbClr val="FFFF00"/>
-              </a:solidFill>
-              <a:effectLst>
-                <a:glow rad="101600">
-                  <a:schemeClr val="tx1">
-                    <a:alpha val="60000"/>
-                  </a:schemeClr>
-                </a:glow>
-              </a:effectLst>
-              <a:latin typeface="VNI-Garam" pitchFamily="34" charset="0"/>
-            </a:endParaRPr>
           </a:p>
         </p:txBody>
       </p:sp>
@@ -7560,13 +6916,6 @@
   <p:clrMapOvr>
     <a:masterClrMapping/>
   </p:clrMapOvr>
-  <p:timing>
-    <p:tnLst>
-      <p:par>
-        <p:cTn id="1" dur="indefinite" restart="never" nodeType="tmRoot"/>
-      </p:par>
-    </p:tnLst>
-  </p:timing>
 </p:sld>
 </file>
 
@@ -7619,7 +6968,7 @@
               </a:spcBef>
             </a:pPr>
             <a:r>
-              <a:rPr lang="en-US" sz="6600" b="1" spc="50" smtClean="0">
+              <a:rPr lang="en-US" sz="6600" b="1" spc="50">
                 <a:ln w="12700" cmpd="sng">
                   <a:noFill/>
                   <a:prstDash val="solid"/>
@@ -7641,7 +6990,7 @@
               <a:t>Trong theá gian ta khoâng tìm ñöôïc </a:t>
             </a:r>
             <a:br>
-              <a:rPr lang="en-US" sz="6600" b="1" spc="50" smtClean="0">
+              <a:rPr lang="en-US" sz="6600" b="1" spc="50">
                 <a:ln w="12700" cmpd="sng">
                   <a:noFill/>
                   <a:prstDash val="solid"/>
@@ -7662,28 +7011,6 @@
               </a:rPr>
             </a:br>
             <a:r>
-              <a:rPr lang="en-US" sz="6600" b="1" spc="50" smtClean="0">
-                <a:ln w="12700" cmpd="sng">
-                  <a:noFill/>
-                  <a:prstDash val="solid"/>
-                </a:ln>
-                <a:solidFill>
-                  <a:schemeClr val="bg1"/>
-                </a:solidFill>
-                <a:effectLst>
-                  <a:glow rad="101600">
-                    <a:schemeClr val="tx1">
-                      <a:alpha val="60000"/>
-                    </a:schemeClr>
-                  </a:glow>
-                </a:effectLst>
-                <a:latin typeface="VNI-Aptima" pitchFamily="2" charset="0"/>
-                <a:ea typeface="+mj-ea"/>
-                <a:cs typeface="+mj-cs"/>
-              </a:rPr>
-              <a:t>moät caâu giaûi ñaùp</a:t>
-            </a:r>
-            <a:r>
               <a:rPr lang="en-US" sz="6600" b="1" spc="50">
                 <a:ln w="12700" cmpd="sng">
                   <a:noFill/>
@@ -7703,27 +7030,8 @@
                 <a:ea typeface="+mj-ea"/>
                 <a:cs typeface="+mj-cs"/>
               </a:rPr>
-              <a:t>.</a:t>
-            </a:r>
-            <a:endParaRPr lang="en-US" sz="6600" b="1" spc="50" smtClean="0">
-              <a:ln w="12700" cmpd="sng">
-                <a:noFill/>
-                <a:prstDash val="solid"/>
-              </a:ln>
-              <a:solidFill>
-                <a:schemeClr val="bg1"/>
-              </a:solidFill>
-              <a:effectLst>
-                <a:glow rad="101600">
-                  <a:schemeClr val="tx1">
-                    <a:alpha val="60000"/>
-                  </a:schemeClr>
-                </a:glow>
-              </a:effectLst>
-              <a:latin typeface="VNI-Aptima" pitchFamily="2" charset="0"/>
-              <a:ea typeface="+mj-ea"/>
-              <a:cs typeface="+mj-cs"/>
-            </a:endParaRPr>
+              <a:t>moät caâu giaûi ñaùp.</a:t>
+            </a:r>
           </a:p>
         </p:txBody>
       </p:sp>
@@ -7766,7 +7074,7 @@
           </a:lstStyle>
           <a:p>
             <a:r>
-              <a:rPr lang="en-US" sz="3500" b="1" smtClean="0">
+              <a:rPr lang="en-US" sz="3500" b="1">
                 <a:solidFill>
                   <a:srgbClr val="FFFF00"/>
                 </a:solidFill>
@@ -7781,19 +7089,6 @@
               </a:rPr>
               <a:t>THAÙNH CA 731 - AÙNH SAÙNG CHO ÑÔØI</a:t>
             </a:r>
-            <a:endParaRPr lang="en-US" sz="3500" b="1">
-              <a:solidFill>
-                <a:srgbClr val="FFFF00"/>
-              </a:solidFill>
-              <a:effectLst>
-                <a:glow rad="101600">
-                  <a:schemeClr val="tx1">
-                    <a:alpha val="60000"/>
-                  </a:schemeClr>
-                </a:glow>
-              </a:effectLst>
-              <a:latin typeface="VNI-Garam" pitchFamily="34" charset="0"/>
-            </a:endParaRPr>
           </a:p>
         </p:txBody>
       </p:sp>
@@ -7802,13 +7097,6 @@
   <p:clrMapOvr>
     <a:masterClrMapping/>
   </p:clrMapOvr>
-  <p:timing>
-    <p:tnLst>
-      <p:par>
-        <p:cTn id="1" dur="indefinite" restart="never" nodeType="tmRoot"/>
-      </p:par>
-    </p:tnLst>
-  </p:timing>
 </p:sld>
 </file>
 
@@ -7861,7 +7149,7 @@
               </a:spcBef>
             </a:pPr>
             <a:r>
-              <a:rPr lang="en-US" sz="6600" b="1" spc="50" smtClean="0">
+              <a:rPr lang="en-US" sz="6600" b="1" spc="50">
                 <a:ln w="12700" cmpd="sng">
                   <a:noFill/>
                   <a:prstDash val="solid"/>
@@ -7883,7 +7171,7 @@
               <a:t>Chuùa Jeâsus laø </a:t>
             </a:r>
             <a:br>
-              <a:rPr lang="en-US" sz="6600" b="1" spc="50" smtClean="0">
+              <a:rPr lang="en-US" sz="6600" b="1" spc="50">
                 <a:ln w="12700" cmpd="sng">
                   <a:noFill/>
                   <a:prstDash val="solid"/>
@@ -7904,7 +7192,7 @@
               </a:rPr>
             </a:br>
             <a:r>
-              <a:rPr lang="en-US" sz="6600" b="1" spc="50" smtClean="0">
+              <a:rPr lang="en-US" sz="6600" b="1" spc="50">
                 <a:ln w="12700" cmpd="sng">
                   <a:noFill/>
                   <a:prstDash val="solid"/>
@@ -7926,7 +7214,7 @@
               <a:t>aùnh saùng toûa soi </a:t>
             </a:r>
             <a:br>
-              <a:rPr lang="en-US" sz="6600" b="1" spc="50" smtClean="0">
+              <a:rPr lang="en-US" sz="6600" b="1" spc="50">
                 <a:ln w="12700" cmpd="sng">
                   <a:noFill/>
                   <a:prstDash val="solid"/>
@@ -7947,7 +7235,7 @@
               </a:rPr>
             </a:br>
             <a:r>
-              <a:rPr lang="en-US" sz="6600" b="1" spc="50" smtClean="0">
+              <a:rPr lang="en-US" sz="6600" b="1" spc="50">
                 <a:ln w="12700" cmpd="sng">
                   <a:noFill/>
                   <a:prstDash val="solid"/>
@@ -8010,7 +7298,7 @@
           </a:lstStyle>
           <a:p>
             <a:r>
-              <a:rPr lang="en-US" sz="3500" b="1" smtClean="0">
+              <a:rPr lang="en-US" sz="3500" b="1">
                 <a:solidFill>
                   <a:srgbClr val="FFFF00"/>
                 </a:solidFill>
@@ -8025,19 +7313,6 @@
               </a:rPr>
               <a:t>THAÙNH CA 731 - AÙNH SAÙNG CHO ÑÔØI</a:t>
             </a:r>
-            <a:endParaRPr lang="en-US" sz="3500" b="1">
-              <a:solidFill>
-                <a:srgbClr val="FFFF00"/>
-              </a:solidFill>
-              <a:effectLst>
-                <a:glow rad="101600">
-                  <a:schemeClr val="tx1">
-                    <a:alpha val="60000"/>
-                  </a:schemeClr>
-                </a:glow>
-              </a:effectLst>
-              <a:latin typeface="VNI-Garam" pitchFamily="34" charset="0"/>
-            </a:endParaRPr>
           </a:p>
         </p:txBody>
       </p:sp>
@@ -8051,13 +7326,6 @@
   <p:clrMapOvr>
     <a:masterClrMapping/>
   </p:clrMapOvr>
-  <p:timing>
-    <p:tnLst>
-      <p:par>
-        <p:cTn id="1" dur="indefinite" restart="never" nodeType="tmRoot"/>
-      </p:par>
-    </p:tnLst>
-  </p:timing>
 </p:sld>
 </file>
 
